--- a/Review 3.pptx
+++ b/Review 3.pptx
@@ -229,7 +229,7 @@
           <a:p>
             <a:fld id="{71672557-76BA-41F3-80B7-1C8DA4668134}" type="datetimeFigureOut">
               <a:rPr lang="en-US" smtClean="0"/>
-              <a:t>5/8/21</a:t>
+              <a:t>5/14/21</a:t>
             </a:fld>
             <a:endParaRPr lang="en-US" dirty="0"/>
           </a:p>
@@ -398,7 +398,7 @@
           <a:p>
             <a:fld id="{A8ADFD5B-A66C-449C-B6E8-FB716D07777D}" type="datetimeFigureOut">
               <a:rPr lang="en-US" smtClean="0"/>
-              <a:t>5/8/21</a:t>
+              <a:t>5/14/21</a:t>
             </a:fld>
             <a:endParaRPr lang="en-US" dirty="0"/>
           </a:p>
@@ -2119,7 +2119,7 @@
           <a:p>
             <a:fld id="{B63EB09E-62B8-4931-A740-BCE383B263AD}" type="datetime1">
               <a:rPr lang="en-US" smtClean="0"/>
-              <a:t>5/8/21</a:t>
+              <a:t>5/14/21</a:t>
             </a:fld>
             <a:endParaRPr lang="en-US" dirty="0"/>
           </a:p>
@@ -2302,7 +2302,7 @@
                   <a:schemeClr val="tx2"/>
                 </a:solidFill>
               </a:rPr>
-              <a:t>5/8/21</a:t>
+              <a:t>5/14/21</a:t>
             </a:fld>
             <a:endParaRPr lang="en-US" sz="1400" dirty="0">
               <a:solidFill>
@@ -2500,7 +2500,7 @@
                   <a:schemeClr val="tx2"/>
                 </a:solidFill>
               </a:rPr>
-              <a:t>5/8/21</a:t>
+              <a:t>5/14/21</a:t>
             </a:fld>
             <a:endParaRPr lang="en-US" sz="1400" dirty="0">
               <a:solidFill>
@@ -2684,7 +2684,7 @@
           <a:p>
             <a:fld id="{05AD958E-392C-45A5-8B7C-6FFEC23D40D9}" type="datetime1">
               <a:rPr lang="en-US" smtClean="0"/>
-              <a:t>5/8/21</a:t>
+              <a:t>5/14/21</a:t>
             </a:fld>
             <a:endParaRPr lang="en-US" dirty="0"/>
           </a:p>
@@ -2945,7 +2945,7 @@
           <a:p>
             <a:fld id="{F4EF229E-9CC9-445C-B402-B93B63F9A471}" type="datetime1">
               <a:rPr lang="en-US" smtClean="0"/>
-              <a:t>5/8/21</a:t>
+              <a:t>5/14/21</a:t>
             </a:fld>
             <a:endParaRPr lang="en-US" dirty="0"/>
           </a:p>
@@ -3237,7 +3237,7 @@
           <a:p>
             <a:fld id="{45C12418-A1E9-40C6-9BFD-22F174C7C75A}" type="datetime1">
               <a:rPr lang="en-US" smtClean="0"/>
-              <a:t>5/8/21</a:t>
+              <a:t>5/14/21</a:t>
             </a:fld>
             <a:endParaRPr lang="en-US" dirty="0"/>
           </a:p>
@@ -3664,7 +3664,7 @@
           <a:p>
             <a:fld id="{8793B659-6005-4324-A283-1E4ADF604BA5}" type="datetime1">
               <a:rPr lang="en-US" smtClean="0"/>
-              <a:t>5/8/21</a:t>
+              <a:t>5/14/21</a:t>
             </a:fld>
             <a:endParaRPr lang="en-US" dirty="0"/>
           </a:p>
@@ -3784,7 +3784,7 @@
           <a:p>
             <a:fld id="{FB7F26AC-5549-4798-B196-7FC3403A62EA}" type="datetime1">
               <a:rPr lang="en-US" smtClean="0"/>
-              <a:t>5/8/21</a:t>
+              <a:t>5/14/21</a:t>
             </a:fld>
             <a:endParaRPr lang="en-US" dirty="0"/>
           </a:p>
@@ -3885,7 +3885,7 @@
           <a:p>
             <a:fld id="{CB70B857-E226-4E94-98F0-FF856D010F57}" type="datetime1">
               <a:rPr lang="en-US" smtClean="0"/>
-              <a:t>5/8/21</a:t>
+              <a:t>5/14/21</a:t>
             </a:fld>
             <a:endParaRPr lang="en-US" dirty="0"/>
           </a:p>
@@ -4166,7 +4166,7 @@
           <a:p>
             <a:fld id="{50C565FB-884B-42DB-93BA-92C1B703D307}" type="datetime1">
               <a:rPr lang="en-US" smtClean="0"/>
-              <a:t>5/8/21</a:t>
+              <a:t>5/14/21</a:t>
             </a:fld>
             <a:endParaRPr lang="en-US" dirty="0"/>
           </a:p>
@@ -4424,7 +4424,7 @@
           <a:p>
             <a:fld id="{D9DC7979-20C0-4E52-BDB0-0EB42B253591}" type="datetime1">
               <a:rPr lang="en-US" smtClean="0"/>
-              <a:t>5/8/21</a:t>
+              <a:t>5/14/21</a:t>
             </a:fld>
             <a:endParaRPr lang="en-US" dirty="0"/>
           </a:p>
@@ -4642,7 +4642,7 @@
                   <a:schemeClr val="tx2"/>
                 </a:solidFill>
               </a:rPr>
-              <a:t>5/8/21</a:t>
+              <a:t>5/14/21</a:t>
             </a:fld>
             <a:endParaRPr lang="en-US" sz="1400" dirty="0">
               <a:solidFill>
